--- a/my-blog-name/layout-chaining-diagram.pptx
+++ b/my-blog-name/layout-chaining-diagram.pptx
@@ -104,6 +104,11 @@
       </a:defRPr>
     </a:lvl9pPr>
   </p:defaultTextStyle>
+  <p:extLst>
+    <p:ext uri="{EFAFB233-063F-42B5-8137-9DF3F51BA10A}">
+      <p15:sldGuideLst xmlns:p15="http://schemas.microsoft.com/office/powerpoint/2012/main"/>
+    </p:ext>
+  </p:extLst>
 </p:presentation>
 </file>
 
@@ -3979,7 +3984,7 @@
         </p:nvSpPr>
         <p:spPr>
           <a:xfrm>
-            <a:off x="7491515" y="2324121"/>
+            <a:off x="9386217" y="2324121"/>
             <a:ext cx="2127634" cy="369332"/>
           </a:xfrm>
           <a:prstGeom prst="rect">
@@ -4018,7 +4023,89 @@
         <p:spPr>
           <a:xfrm flipH="1" flipV="1">
             <a:off x="6906841" y="1706140"/>
-            <a:ext cx="1648491" cy="617981"/>
+            <a:ext cx="3543193" cy="617981"/>
+          </a:xfrm>
+          <a:prstGeom prst="straightConnector1">
+            <a:avLst/>
+          </a:prstGeom>
+          <a:ln>
+            <a:tailEnd type="triangle"/>
+          </a:ln>
+        </p:spPr>
+        <p:style>
+          <a:lnRef idx="1">
+            <a:schemeClr val="accent1"/>
+          </a:lnRef>
+          <a:fillRef idx="0">
+            <a:schemeClr val="accent1"/>
+          </a:fillRef>
+          <a:effectRef idx="0">
+            <a:schemeClr val="accent1"/>
+          </a:effectRef>
+          <a:fontRef idx="minor">
+            <a:schemeClr val="tx1"/>
+          </a:fontRef>
+        </p:style>
+      </p:cxnSp>
+      <p:sp>
+        <p:nvSpPr>
+          <p:cNvPr id="22" name="TextBox 21">
+            <a:extLst>
+              <a:ext uri="{FF2B5EF4-FFF2-40B4-BE49-F238E27FC236}">
+                <a16:creationId xmlns:a16="http://schemas.microsoft.com/office/drawing/2014/main" id="{1A9C94C6-289F-42D0-881B-AAE36808C7CD}"/>
+              </a:ext>
+            </a:extLst>
+          </p:cNvPr>
+          <p:cNvSpPr txBox="1"/>
+          <p:nvPr/>
+        </p:nvSpPr>
+        <p:spPr>
+          <a:xfrm>
+            <a:off x="6575581" y="3045774"/>
+            <a:ext cx="3084947" cy="369332"/>
+          </a:xfrm>
+          <a:prstGeom prst="rect">
+            <a:avLst/>
+          </a:prstGeom>
+          <a:noFill/>
+        </p:spPr>
+        <p:txBody>
+          <a:bodyPr wrap="none" rtlCol="0">
+            <a:spAutoFit/>
+          </a:bodyPr>
+          <a:lstStyle/>
+          <a:p>
+            <a:r>
+              <a:rPr lang="en-US" dirty="0"/>
+              <a:t>blog-header-overlay-</a:t>
+            </a:r>
+            <a:r>
+              <a:rPr lang="en-US" dirty="0" err="1"/>
+              <a:t>nosidebar</a:t>
+            </a:r>
+            <a:endParaRPr lang="en-US" dirty="0"/>
+          </a:p>
+        </p:txBody>
+      </p:sp>
+      <p:cxnSp>
+        <p:nvCxnSpPr>
+          <p:cNvPr id="10" name="Straight Arrow Connector 9">
+            <a:extLst>
+              <a:ext uri="{FF2B5EF4-FFF2-40B4-BE49-F238E27FC236}">
+                <a16:creationId xmlns:a16="http://schemas.microsoft.com/office/drawing/2014/main" id="{058DF9E4-59A6-4389-B00D-28966295982D}"/>
+              </a:ext>
+            </a:extLst>
+          </p:cNvPr>
+          <p:cNvCxnSpPr>
+            <a:stCxn id="22" idx="0"/>
+            <a:endCxn id="6" idx="2"/>
+          </p:cNvCxnSpPr>
+          <p:nvPr/>
+        </p:nvCxnSpPr>
+        <p:spPr>
+          <a:xfrm flipH="1" flipV="1">
+            <a:off x="6906841" y="1706140"/>
+            <a:ext cx="1211214" cy="1339634"/>
           </a:xfrm>
           <a:prstGeom prst="straightConnector1">
             <a:avLst/>
